--- a/docs/MetaMolES_projectOutline.pptx
+++ b/docs/MetaMolES_projectOutline.pptx
@@ -106,6 +106,11 @@
       </a:defRPr>
     </a:lvl9pPr>
   </p:defaultTextStyle>
+  <p:extLst>
+    <p:ext uri="{EFAFB233-063F-42B5-8137-9DF3F51BA10A}">
+      <p15:sldGuideLst xmlns:p15="http://schemas.microsoft.com/office/powerpoint/2012/main"/>
+    </p:ext>
+  </p:extLst>
 </p:presentation>
 </file>
 
@@ -256,7 +261,7 @@
           <a:p>
             <a:fld id="{99C3D33C-8725-5940-9F89-2B2C73940E9D}" type="datetimeFigureOut">
               <a:rPr lang="en-US" smtClean="0"/>
-              <a:t>3/1/19</a:t>
+              <a:t>3/11/19</a:t>
             </a:fld>
             <a:endParaRPr lang="en-US"/>
           </a:p>
@@ -454,7 +459,7 @@
           <a:p>
             <a:fld id="{99C3D33C-8725-5940-9F89-2B2C73940E9D}" type="datetimeFigureOut">
               <a:rPr lang="en-US" smtClean="0"/>
-              <a:t>3/1/19</a:t>
+              <a:t>3/11/19</a:t>
             </a:fld>
             <a:endParaRPr lang="en-US"/>
           </a:p>
@@ -662,7 +667,7 @@
           <a:p>
             <a:fld id="{99C3D33C-8725-5940-9F89-2B2C73940E9D}" type="datetimeFigureOut">
               <a:rPr lang="en-US" smtClean="0"/>
-              <a:t>3/1/19</a:t>
+              <a:t>3/11/19</a:t>
             </a:fld>
             <a:endParaRPr lang="en-US"/>
           </a:p>
@@ -860,7 +865,7 @@
           <a:p>
             <a:fld id="{99C3D33C-8725-5940-9F89-2B2C73940E9D}" type="datetimeFigureOut">
               <a:rPr lang="en-US" smtClean="0"/>
-              <a:t>3/1/19</a:t>
+              <a:t>3/11/19</a:t>
             </a:fld>
             <a:endParaRPr lang="en-US"/>
           </a:p>
@@ -1135,7 +1140,7 @@
           <a:p>
             <a:fld id="{99C3D33C-8725-5940-9F89-2B2C73940E9D}" type="datetimeFigureOut">
               <a:rPr lang="en-US" smtClean="0"/>
-              <a:t>3/1/19</a:t>
+              <a:t>3/11/19</a:t>
             </a:fld>
             <a:endParaRPr lang="en-US"/>
           </a:p>
@@ -1400,7 +1405,7 @@
           <a:p>
             <a:fld id="{99C3D33C-8725-5940-9F89-2B2C73940E9D}" type="datetimeFigureOut">
               <a:rPr lang="en-US" smtClean="0"/>
-              <a:t>3/1/19</a:t>
+              <a:t>3/11/19</a:t>
             </a:fld>
             <a:endParaRPr lang="en-US"/>
           </a:p>
@@ -1812,7 +1817,7 @@
           <a:p>
             <a:fld id="{99C3D33C-8725-5940-9F89-2B2C73940E9D}" type="datetimeFigureOut">
               <a:rPr lang="en-US" smtClean="0"/>
-              <a:t>3/1/19</a:t>
+              <a:t>3/11/19</a:t>
             </a:fld>
             <a:endParaRPr lang="en-US"/>
           </a:p>
@@ -1953,7 +1958,7 @@
           <a:p>
             <a:fld id="{99C3D33C-8725-5940-9F89-2B2C73940E9D}" type="datetimeFigureOut">
               <a:rPr lang="en-US" smtClean="0"/>
-              <a:t>3/1/19</a:t>
+              <a:t>3/11/19</a:t>
             </a:fld>
             <a:endParaRPr lang="en-US"/>
           </a:p>
@@ -2066,7 +2071,7 @@
           <a:p>
             <a:fld id="{99C3D33C-8725-5940-9F89-2B2C73940E9D}" type="datetimeFigureOut">
               <a:rPr lang="en-US" smtClean="0"/>
-              <a:t>3/1/19</a:t>
+              <a:t>3/11/19</a:t>
             </a:fld>
             <a:endParaRPr lang="en-US"/>
           </a:p>
@@ -2377,7 +2382,7 @@
           <a:p>
             <a:fld id="{99C3D33C-8725-5940-9F89-2B2C73940E9D}" type="datetimeFigureOut">
               <a:rPr lang="en-US" smtClean="0"/>
-              <a:t>3/1/19</a:t>
+              <a:t>3/11/19</a:t>
             </a:fld>
             <a:endParaRPr lang="en-US"/>
           </a:p>
@@ -2665,7 +2670,7 @@
           <a:p>
             <a:fld id="{99C3D33C-8725-5940-9F89-2B2C73940E9D}" type="datetimeFigureOut">
               <a:rPr lang="en-US" smtClean="0"/>
-              <a:t>3/1/19</a:t>
+              <a:t>3/11/19</a:t>
             </a:fld>
             <a:endParaRPr lang="en-US"/>
           </a:p>
@@ -2906,7 +2911,7 @@
           <a:p>
             <a:fld id="{99C3D33C-8725-5940-9F89-2B2C73940E9D}" type="datetimeFigureOut">
               <a:rPr lang="en-US" smtClean="0"/>
-              <a:t>3/1/19</a:t>
+              <a:t>3/11/19</a:t>
             </a:fld>
             <a:endParaRPr lang="en-US"/>
           </a:p>
@@ -3544,6 +3549,7 @@
           </a:bodyPr>
           <a:lstStyle/>
           <a:p>
+            <a:pPr algn="ctr"/>
             <a:r>
               <a:rPr lang="en-US" sz="1400" dirty="0">
                 <a:latin typeface="Courier" pitchFamily="2" charset="0"/>
@@ -3648,8 +3654,8 @@
         </p:nvSpPr>
         <p:spPr>
           <a:xfrm>
-            <a:off x="513708" y="3621247"/>
-            <a:ext cx="3174714" cy="738664"/>
+            <a:off x="533322" y="4715455"/>
+            <a:ext cx="3174714" cy="1169551"/>
           </a:xfrm>
           <a:prstGeom prst="rect">
             <a:avLst/>
@@ -3672,58 +3678,21 @@
                 <a:latin typeface="Courier" pitchFamily="2" charset="0"/>
                 <a:cs typeface="Courier New" panose="02070309020205020404" pitchFamily="49" charset="0"/>
               </a:rPr>
-              <a:t>Get maximal common substructure of products for each promiscuous enzyme </a:t>
-            </a:r>
-          </a:p>
-        </p:txBody>
-      </p:sp>
-      <p:sp>
-        <p:nvSpPr>
-          <p:cNvPr id="11" name="TextBox 10">
-            <a:extLst>
-              <a:ext uri="{FF2B5EF4-FFF2-40B4-BE49-F238E27FC236}">
-                <a16:creationId xmlns:a16="http://schemas.microsoft.com/office/drawing/2014/main" id="{D3D43A6A-F7D8-C643-8D38-1CEE4F6EE88D}"/>
-              </a:ext>
-            </a:extLst>
-          </p:cNvPr>
-          <p:cNvSpPr txBox="1"/>
-          <p:nvPr/>
-        </p:nvSpPr>
-        <p:spPr>
-          <a:xfrm>
-            <a:off x="513708" y="4635825"/>
-            <a:ext cx="3174714" cy="1169551"/>
-          </a:xfrm>
-          <a:prstGeom prst="rect">
-            <a:avLst/>
-          </a:prstGeom>
-          <a:solidFill>
-            <a:schemeClr val="accent4">
-              <a:lumMod val="20000"/>
-              <a:lumOff val="80000"/>
-            </a:schemeClr>
-          </a:solidFill>
-        </p:spPr>
-        <p:txBody>
-          <a:bodyPr wrap="square" rtlCol="0">
-            <a:spAutoFit/>
-          </a:bodyPr>
-          <a:lstStyle/>
-          <a:p>
-            <a:r>
-              <a:rPr lang="en-US" sz="1400" dirty="0">
-                <a:latin typeface="Courier" pitchFamily="2" charset="0"/>
-                <a:cs typeface="Courier New" panose="02070309020205020404" pitchFamily="49" charset="0"/>
-              </a:rPr>
-              <a:t>Calculate molecular similarity between maximal common substructure and each product </a:t>
-            </a:r>
+              <a:t>get the molecular similarity index between all products </a:t>
+            </a:r>
+          </a:p>
+          <a:p>
+            <a:pPr marL="285750" indent="-285750">
+              <a:buFont typeface="Wingdings" pitchFamily="2" charset="2"/>
+              <a:buChar char="à"/>
+            </a:pPr>
             <a:r>
               <a:rPr lang="en-US" sz="1400" dirty="0">
                 <a:latin typeface="Courier" pitchFamily="2" charset="0"/>
                 <a:cs typeface="Courier New" panose="02070309020205020404" pitchFamily="49" charset="0"/>
                 <a:sym typeface="Wingdings" pitchFamily="2" charset="2"/>
               </a:rPr>
-              <a:t> average out ( = </a:t>
+              <a:t>Average out  (</a:t>
             </a:r>
             <a:r>
               <a:rPr lang="en-US" sz="1400" dirty="0" err="1">
@@ -3731,7 +3700,7 @@
                 <a:cs typeface="Courier New" panose="02070309020205020404" pitchFamily="49" charset="0"/>
                 <a:sym typeface="Wingdings" pitchFamily="2" charset="2"/>
               </a:rPr>
-              <a:t>maxtoproduct_avg</a:t>
+              <a:t>avg_distance_between_products</a:t>
             </a:r>
             <a:r>
               <a:rPr lang="en-US" sz="1400" dirty="0">
@@ -3739,7 +3708,7 @@
                 <a:cs typeface="Courier New" panose="02070309020205020404" pitchFamily="49" charset="0"/>
                 <a:sym typeface="Wingdings" pitchFamily="2" charset="2"/>
               </a:rPr>
-              <a:t>)  </a:t>
+              <a:t>)</a:t>
             </a:r>
             <a:endParaRPr lang="en-US" sz="1400" dirty="0">
               <a:latin typeface="Courier" pitchFamily="2" charset="0"/>
@@ -3849,7 +3818,7 @@
         </p:nvCxnSpPr>
         <p:spPr>
           <a:xfrm>
-            <a:off x="2083941" y="4359911"/>
+            <a:off x="2120679" y="4370082"/>
             <a:ext cx="0" cy="286412"/>
           </a:xfrm>
           <a:prstGeom prst="straightConnector1">
@@ -3965,7 +3934,7 @@
         <p:spPr>
           <a:xfrm>
             <a:off x="8238162" y="1888733"/>
-            <a:ext cx="3174714" cy="738664"/>
+            <a:ext cx="3174714" cy="523220"/>
           </a:xfrm>
           <a:prstGeom prst="rect">
             <a:avLst/>
@@ -3983,12 +3952,13 @@
           </a:bodyPr>
           <a:lstStyle/>
           <a:p>
+            <a:pPr algn="ctr"/>
             <a:r>
               <a:rPr lang="en-US" sz="1400" dirty="0">
                 <a:latin typeface="Courier" pitchFamily="2" charset="0"/>
                 <a:cs typeface="Courier New" panose="02070309020205020404" pitchFamily="49" charset="0"/>
               </a:rPr>
-              <a:t>Check whether there is the maximal common substructure or not in this compound </a:t>
+              <a:t>Get the molecular fingerprint of input </a:t>
             </a:r>
           </a:p>
         </p:txBody>
@@ -4035,100 +4005,12 @@
           </a:fontRef>
         </p:style>
       </p:cxnSp>
-      <p:cxnSp>
-        <p:nvCxnSpPr>
-          <p:cNvPr id="21" name="Straight Arrow Connector 20">
-            <a:extLst>
-              <a:ext uri="{FF2B5EF4-FFF2-40B4-BE49-F238E27FC236}">
-                <a16:creationId xmlns:a16="http://schemas.microsoft.com/office/drawing/2014/main" id="{5A958D96-7F49-CF4B-B812-399BA2956966}"/>
-              </a:ext>
-            </a:extLst>
-          </p:cNvPr>
-          <p:cNvCxnSpPr>
-            <a:cxnSpLocks/>
-          </p:cNvCxnSpPr>
-          <p:nvPr/>
-        </p:nvCxnSpPr>
-        <p:spPr>
-          <a:xfrm flipH="1">
-            <a:off x="8788686" y="2627397"/>
-            <a:ext cx="671245" cy="269915"/>
-          </a:xfrm>
-          <a:prstGeom prst="straightConnector1">
-            <a:avLst/>
-          </a:prstGeom>
-          <a:ln w="19050">
-            <a:solidFill>
-              <a:schemeClr val="tx1"/>
-            </a:solidFill>
-            <a:tailEnd type="triangle"/>
-          </a:ln>
-        </p:spPr>
-        <p:style>
-          <a:lnRef idx="1">
-            <a:schemeClr val="accent1"/>
-          </a:lnRef>
-          <a:fillRef idx="0">
-            <a:schemeClr val="accent1"/>
-          </a:fillRef>
-          <a:effectRef idx="0">
-            <a:schemeClr val="accent1"/>
-          </a:effectRef>
-          <a:fontRef idx="minor">
-            <a:schemeClr val="tx1"/>
-          </a:fontRef>
-        </p:style>
-      </p:cxnSp>
-      <p:cxnSp>
-        <p:nvCxnSpPr>
-          <p:cNvPr id="23" name="Straight Arrow Connector 22">
-            <a:extLst>
-              <a:ext uri="{FF2B5EF4-FFF2-40B4-BE49-F238E27FC236}">
-                <a16:creationId xmlns:a16="http://schemas.microsoft.com/office/drawing/2014/main" id="{804AE99F-24CB-004C-A3C5-2C3289444111}"/>
-              </a:ext>
-            </a:extLst>
-          </p:cNvPr>
-          <p:cNvCxnSpPr>
-            <a:cxnSpLocks/>
-          </p:cNvCxnSpPr>
-          <p:nvPr/>
-        </p:nvCxnSpPr>
-        <p:spPr>
-          <a:xfrm>
-            <a:off x="10161142" y="2627397"/>
-            <a:ext cx="698642" cy="269915"/>
-          </a:xfrm>
-          <a:prstGeom prst="straightConnector1">
-            <a:avLst/>
-          </a:prstGeom>
-          <a:ln w="19050">
-            <a:solidFill>
-              <a:schemeClr val="tx1"/>
-            </a:solidFill>
-            <a:tailEnd type="triangle"/>
-          </a:ln>
-        </p:spPr>
-        <p:style>
-          <a:lnRef idx="1">
-            <a:schemeClr val="accent1"/>
-          </a:lnRef>
-          <a:fillRef idx="0">
-            <a:schemeClr val="accent1"/>
-          </a:fillRef>
-          <a:effectRef idx="0">
-            <a:schemeClr val="accent1"/>
-          </a:effectRef>
-          <a:fontRef idx="minor">
-            <a:schemeClr val="tx1"/>
-          </a:fontRef>
-        </p:style>
-      </p:cxnSp>
-      <p:sp>
-        <p:nvSpPr>
-          <p:cNvPr id="25" name="TextBox 24">
-            <a:extLst>
-              <a:ext uri="{FF2B5EF4-FFF2-40B4-BE49-F238E27FC236}">
-                <a16:creationId xmlns:a16="http://schemas.microsoft.com/office/drawing/2014/main" id="{CAC6249F-579F-0F49-9F31-D5FB61E8662D}"/>
+      <p:sp>
+        <p:nvSpPr>
+          <p:cNvPr id="27" name="TextBox 26">
+            <a:extLst>
+              <a:ext uri="{FF2B5EF4-FFF2-40B4-BE49-F238E27FC236}">
+                <a16:creationId xmlns:a16="http://schemas.microsoft.com/office/drawing/2014/main" id="{C194151D-F71C-2C4D-A57C-E76FD0159DAF}"/>
               </a:ext>
             </a:extLst>
           </p:cNvPr>
@@ -4137,45 +4019,8 @@
         </p:nvSpPr>
         <p:spPr>
           <a:xfrm>
-            <a:off x="8788686" y="2838018"/>
-            <a:ext cx="2137124" cy="276999"/>
-          </a:xfrm>
-          <a:prstGeom prst="rect">
-            <a:avLst/>
-          </a:prstGeom>
-          <a:noFill/>
-        </p:spPr>
-        <p:txBody>
-          <a:bodyPr wrap="none" rtlCol="0">
-            <a:spAutoFit/>
-          </a:bodyPr>
-          <a:lstStyle/>
-          <a:p>
-            <a:r>
-              <a:rPr lang="en-US" sz="1200" dirty="0">
-                <a:latin typeface="Courier" pitchFamily="2" charset="0"/>
-              </a:rPr>
-              <a:t>Yes               No </a:t>
-            </a:r>
-          </a:p>
-        </p:txBody>
-      </p:sp>
-      <p:sp>
-        <p:nvSpPr>
-          <p:cNvPr id="27" name="TextBox 26">
-            <a:extLst>
-              <a:ext uri="{FF2B5EF4-FFF2-40B4-BE49-F238E27FC236}">
-                <a16:creationId xmlns:a16="http://schemas.microsoft.com/office/drawing/2014/main" id="{C194151D-F71C-2C4D-A57C-E76FD0159DAF}"/>
-              </a:ext>
-            </a:extLst>
-          </p:cNvPr>
-          <p:cNvSpPr txBox="1"/>
-          <p:nvPr/>
-        </p:nvSpPr>
-        <p:spPr>
-          <a:xfrm>
-            <a:off x="7800706" y="3115017"/>
-            <a:ext cx="1659225" cy="1600438"/>
+            <a:off x="9009605" y="2888685"/>
+            <a:ext cx="1659225" cy="954107"/>
           </a:xfrm>
           <a:prstGeom prst="rect">
             <a:avLst/>
@@ -4193,36 +4038,26 @@
           </a:bodyPr>
           <a:lstStyle/>
           <a:p>
+            <a:endParaRPr lang="en-US" sz="1400" dirty="0">
+              <a:latin typeface="Courier" pitchFamily="2" charset="0"/>
+              <a:cs typeface="Courier New" panose="02070309020205020404" pitchFamily="49" charset="0"/>
+            </a:endParaRPr>
+          </a:p>
+          <a:p>
+            <a:pPr algn="ctr"/>
             <a:r>
               <a:rPr lang="en-US" sz="1400" dirty="0">
                 <a:latin typeface="Courier" pitchFamily="2" charset="0"/>
                 <a:cs typeface="Courier New" panose="02070309020205020404" pitchFamily="49" charset="0"/>
               </a:rPr>
-              <a:t>Calculate distance between input and maximal common substructure</a:t>
-            </a:r>
-          </a:p>
-          <a:p>
-            <a:r>
-              <a:rPr lang="en-US" sz="1400" dirty="0">
-                <a:latin typeface="Courier" pitchFamily="2" charset="0"/>
-                <a:cs typeface="Courier New" panose="02070309020205020404" pitchFamily="49" charset="0"/>
-              </a:rPr>
-              <a:t>(</a:t>
-            </a:r>
-            <a:r>
-              <a:rPr lang="en-US" sz="1400" dirty="0" err="1">
-                <a:latin typeface="Courier" pitchFamily="2" charset="0"/>
-                <a:cs typeface="Courier New" panose="02070309020205020404" pitchFamily="49" charset="0"/>
-              </a:rPr>
-              <a:t>maxtoinput</a:t>
-            </a:r>
-            <a:r>
-              <a:rPr lang="en-US" sz="1400" dirty="0">
-                <a:latin typeface="Courier" pitchFamily="2" charset="0"/>
-                <a:cs typeface="Courier New" panose="02070309020205020404" pitchFamily="49" charset="0"/>
-              </a:rPr>
-              <a:t>)  </a:t>
-            </a:r>
+              <a:t>Logistic Regression </a:t>
+            </a:r>
+          </a:p>
+          <a:p>
+            <a:endParaRPr lang="en-US" sz="1400" dirty="0">
+              <a:latin typeface="Courier" pitchFamily="2" charset="0"/>
+              <a:cs typeface="Courier New" panose="02070309020205020404" pitchFamily="49" charset="0"/>
+            </a:endParaRPr>
           </a:p>
         </p:txBody>
       </p:sp>
@@ -4240,8 +4075,8 @@
         </p:nvSpPr>
         <p:spPr>
           <a:xfrm>
-            <a:off x="7800705" y="4891551"/>
-            <a:ext cx="1659225" cy="1338828"/>
+            <a:off x="9029219" y="4637844"/>
+            <a:ext cx="1659225" cy="1169551"/>
           </a:xfrm>
           <a:prstGeom prst="rect">
             <a:avLst/>
@@ -4264,42 +4099,7 @@
                 <a:latin typeface="Courier" pitchFamily="2" charset="0"/>
                 <a:cs typeface="Courier New" panose="02070309020205020404" pitchFamily="49" charset="0"/>
               </a:rPr>
-              <a:t>Rank promiscuous enzyme based on (</a:t>
-            </a:r>
-            <a:r>
-              <a:rPr lang="en-US" sz="1100" dirty="0" err="1">
-                <a:latin typeface="Courier" pitchFamily="2" charset="0"/>
-                <a:cs typeface="Courier New" panose="02070309020205020404" pitchFamily="49" charset="0"/>
-              </a:rPr>
-              <a:t>maxtoinput</a:t>
-            </a:r>
-            <a:r>
-              <a:rPr lang="en-US" sz="1100" dirty="0">
-                <a:latin typeface="Courier" pitchFamily="2" charset="0"/>
-                <a:cs typeface="Courier New" panose="02070309020205020404" pitchFamily="49" charset="0"/>
-              </a:rPr>
-              <a:t> – </a:t>
-            </a:r>
-            <a:r>
-              <a:rPr lang="en-US" sz="1100" dirty="0" err="1">
-                <a:latin typeface="Courier" pitchFamily="2" charset="0"/>
-                <a:cs typeface="Courier New" panose="02070309020205020404" pitchFamily="49" charset="0"/>
-              </a:rPr>
-              <a:t>maxtoproduct_avg</a:t>
-            </a:r>
-            <a:r>
-              <a:rPr lang="en-US" sz="1100" dirty="0">
-                <a:latin typeface="Courier" pitchFamily="2" charset="0"/>
-                <a:cs typeface="Courier New" panose="02070309020205020404" pitchFamily="49" charset="0"/>
-              </a:rPr>
-              <a:t> </a:t>
-            </a:r>
-            <a:r>
-              <a:rPr lang="en-US" sz="1400" dirty="0">
-                <a:latin typeface="Courier" pitchFamily="2" charset="0"/>
-                <a:cs typeface="Courier New" panose="02070309020205020404" pitchFamily="49" charset="0"/>
-              </a:rPr>
-              <a:t>) value  </a:t>
+              <a:t>Rank promiscuous enzyme based on the probability </a:t>
             </a:r>
           </a:p>
         </p:txBody>
@@ -4321,59 +4121,14 @@
           <p:nvPr/>
         </p:nvCxnSpPr>
         <p:spPr>
-          <a:xfrm flipH="1">
-            <a:off x="8630318" y="4715455"/>
-            <a:ext cx="1" cy="176096"/>
+          <a:xfrm>
+            <a:off x="9839218" y="3842792"/>
+            <a:ext cx="19614" cy="795052"/>
           </a:xfrm>
           <a:prstGeom prst="straightConnector1">
             <a:avLst/>
           </a:prstGeom>
           <a:ln w="19050">
-            <a:solidFill>
-              <a:schemeClr val="tx1"/>
-            </a:solidFill>
-            <a:tailEnd type="triangle"/>
-          </a:ln>
-        </p:spPr>
-        <p:style>
-          <a:lnRef idx="1">
-            <a:schemeClr val="accent1"/>
-          </a:lnRef>
-          <a:fillRef idx="0">
-            <a:schemeClr val="accent1"/>
-          </a:fillRef>
-          <a:effectRef idx="0">
-            <a:schemeClr val="accent1"/>
-          </a:effectRef>
-          <a:fontRef idx="minor">
-            <a:schemeClr val="tx1"/>
-          </a:fontRef>
-        </p:style>
-      </p:cxnSp>
-      <p:cxnSp>
-        <p:nvCxnSpPr>
-          <p:cNvPr id="37" name="Straight Arrow Connector 36">
-            <a:extLst>
-              <a:ext uri="{FF2B5EF4-FFF2-40B4-BE49-F238E27FC236}">
-                <a16:creationId xmlns:a16="http://schemas.microsoft.com/office/drawing/2014/main" id="{8B27D133-059A-AA4C-AAD7-D00871A7DE65}"/>
-              </a:ext>
-            </a:extLst>
-          </p:cNvPr>
-          <p:cNvCxnSpPr>
-            <a:stCxn id="9" idx="3"/>
-            <a:endCxn id="17" idx="1"/>
-          </p:cNvCxnSpPr>
-          <p:nvPr/>
-        </p:nvCxnSpPr>
-        <p:spPr>
-          <a:xfrm flipV="1">
-            <a:off x="3688422" y="2258065"/>
-            <a:ext cx="4549740" cy="1732514"/>
-          </a:xfrm>
-          <a:prstGeom prst="straightConnector1">
-            <a:avLst/>
-          </a:prstGeom>
-          <a:ln>
             <a:solidFill>
               <a:schemeClr val="tx1"/>
             </a:solidFill>
@@ -4405,20 +4160,110 @@
             </a:extLst>
           </p:cNvPr>
           <p:cNvCxnSpPr>
-            <a:stCxn id="11" idx="3"/>
-            <a:endCxn id="28" idx="1"/>
+            <a:cxnSpLocks/>
+            <a:stCxn id="9" idx="3"/>
+            <a:endCxn id="27" idx="1"/>
           </p:cNvCxnSpPr>
           <p:nvPr/>
         </p:nvCxnSpPr>
         <p:spPr>
-          <a:xfrm>
-            <a:off x="3688422" y="5220601"/>
-            <a:ext cx="4112283" cy="340364"/>
+          <a:xfrm flipV="1">
+            <a:off x="3708036" y="3365739"/>
+            <a:ext cx="5301569" cy="1934492"/>
           </a:xfrm>
           <a:prstGeom prst="straightConnector1">
             <a:avLst/>
           </a:prstGeom>
           <a:ln>
+            <a:solidFill>
+              <a:schemeClr val="tx1"/>
+            </a:solidFill>
+            <a:tailEnd type="triangle"/>
+          </a:ln>
+        </p:spPr>
+        <p:style>
+          <a:lnRef idx="1">
+            <a:schemeClr val="accent1"/>
+          </a:lnRef>
+          <a:fillRef idx="0">
+            <a:schemeClr val="accent1"/>
+          </a:fillRef>
+          <a:effectRef idx="0">
+            <a:schemeClr val="accent1"/>
+          </a:effectRef>
+          <a:fontRef idx="minor">
+            <a:schemeClr val="tx1"/>
+          </a:fontRef>
+        </p:style>
+      </p:cxnSp>
+      <p:sp>
+        <p:nvSpPr>
+          <p:cNvPr id="24" name="TextBox 23">
+            <a:extLst>
+              <a:ext uri="{FF2B5EF4-FFF2-40B4-BE49-F238E27FC236}">
+                <a16:creationId xmlns:a16="http://schemas.microsoft.com/office/drawing/2014/main" id="{F3F289F5-01E8-E144-89C6-9F43BB6F91B4}"/>
+              </a:ext>
+            </a:extLst>
+          </p:cNvPr>
+          <p:cNvSpPr txBox="1"/>
+          <p:nvPr/>
+        </p:nvSpPr>
+        <p:spPr>
+          <a:xfrm>
+            <a:off x="513708" y="3631418"/>
+            <a:ext cx="3174714" cy="738664"/>
+          </a:xfrm>
+          <a:prstGeom prst="rect">
+            <a:avLst/>
+          </a:prstGeom>
+          <a:solidFill>
+            <a:schemeClr val="accent4">
+              <a:lumMod val="20000"/>
+              <a:lumOff val="80000"/>
+            </a:schemeClr>
+          </a:solidFill>
+        </p:spPr>
+        <p:txBody>
+          <a:bodyPr wrap="square" rtlCol="0">
+            <a:spAutoFit/>
+          </a:bodyPr>
+          <a:lstStyle/>
+          <a:p>
+            <a:pPr algn="ctr"/>
+            <a:r>
+              <a:rPr lang="en-US" sz="1400" dirty="0">
+                <a:latin typeface="Courier" pitchFamily="2" charset="0"/>
+                <a:cs typeface="Courier New" panose="02070309020205020404" pitchFamily="49" charset="0"/>
+              </a:rPr>
+              <a:t>get the molecular fingerprint bit vector for all  products </a:t>
+            </a:r>
+          </a:p>
+        </p:txBody>
+      </p:sp>
+      <p:cxnSp>
+        <p:nvCxnSpPr>
+          <p:cNvPr id="32" name="Straight Arrow Connector 31">
+            <a:extLst>
+              <a:ext uri="{FF2B5EF4-FFF2-40B4-BE49-F238E27FC236}">
+                <a16:creationId xmlns:a16="http://schemas.microsoft.com/office/drawing/2014/main" id="{60137ED0-ADF1-F644-A27E-81026664240E}"/>
+              </a:ext>
+            </a:extLst>
+          </p:cNvPr>
+          <p:cNvCxnSpPr>
+            <a:cxnSpLocks/>
+            <a:endCxn id="27" idx="0"/>
+          </p:cNvCxnSpPr>
+          <p:nvPr/>
+        </p:nvCxnSpPr>
+        <p:spPr>
+          <a:xfrm>
+            <a:off x="9825519" y="2379403"/>
+            <a:ext cx="13699" cy="509282"/>
+          </a:xfrm>
+          <a:prstGeom prst="straightConnector1">
+            <a:avLst/>
+          </a:prstGeom>
+          <a:ln w="19050">
             <a:solidFill>
               <a:schemeClr val="tx1"/>
             </a:solidFill>
@@ -4526,53 +4371,10 @@
       </p:sp>
       <p:sp>
         <p:nvSpPr>
-          <p:cNvPr id="4" name="TextBox 3">
-            <a:extLst>
-              <a:ext uri="{FF2B5EF4-FFF2-40B4-BE49-F238E27FC236}">
-                <a16:creationId xmlns:a16="http://schemas.microsoft.com/office/drawing/2014/main" id="{3EFFD8F0-9038-5E4C-98D0-06A27DD767A0}"/>
-              </a:ext>
-            </a:extLst>
-          </p:cNvPr>
-          <p:cNvSpPr txBox="1"/>
-          <p:nvPr/>
-        </p:nvSpPr>
-        <p:spPr>
-          <a:xfrm>
-            <a:off x="184935" y="154112"/>
-            <a:ext cx="3531736" cy="276999"/>
-          </a:xfrm>
-          <a:prstGeom prst="rect">
-            <a:avLst/>
-          </a:prstGeom>
-          <a:noFill/>
-        </p:spPr>
-        <p:txBody>
-          <a:bodyPr wrap="none" rtlCol="0">
-            <a:spAutoFit/>
-          </a:bodyPr>
-          <a:lstStyle/>
-          <a:p>
-            <a:r>
-              <a:rPr lang="en-US" sz="1200" b="1" dirty="0">
-                <a:latin typeface="Courier" pitchFamily="2" charset="0"/>
-              </a:rPr>
-              <a:t>MCSS</a:t>
-            </a:r>
-            <a:r>
-              <a:rPr lang="en-US" sz="1200" dirty="0">
-                <a:latin typeface="Courier" pitchFamily="2" charset="0"/>
-              </a:rPr>
-              <a:t> : maximal common substructure  </a:t>
-            </a:r>
-          </a:p>
-        </p:txBody>
-      </p:sp>
-      <p:sp>
-        <p:nvSpPr>
-          <p:cNvPr id="5" name="Rectangle 4">
-            <a:extLst>
-              <a:ext uri="{FF2B5EF4-FFF2-40B4-BE49-F238E27FC236}">
-                <a16:creationId xmlns:a16="http://schemas.microsoft.com/office/drawing/2014/main" id="{98E8B7C5-5848-9146-8863-2EEEB2610B23}"/>
+          <p:cNvPr id="7" name="Rectangle 6">
+            <a:extLst>
+              <a:ext uri="{FF2B5EF4-FFF2-40B4-BE49-F238E27FC236}">
+                <a16:creationId xmlns:a16="http://schemas.microsoft.com/office/drawing/2014/main" id="{E66E1507-A50C-5340-92A1-85081A289E10}"/>
               </a:ext>
             </a:extLst>
           </p:cNvPr>
@@ -4581,14 +4383,17 @@
         </p:nvSpPr>
         <p:spPr>
           <a:xfrm>
-            <a:off x="2013735" y="2958957"/>
-            <a:ext cx="534256" cy="359596"/>
+            <a:off x="1221420" y="1330492"/>
+            <a:ext cx="334960" cy="267128"/>
           </a:xfrm>
           <a:prstGeom prst="rect">
             <a:avLst/>
           </a:prstGeom>
           <a:solidFill>
-            <a:srgbClr val="92D050"/>
+            <a:schemeClr val="accent6">
+              <a:lumMod val="40000"/>
+              <a:lumOff val="60000"/>
+            </a:schemeClr>
           </a:solidFill>
           <a:ln>
             <a:noFill/>
@@ -4621,50 +4426,10 @@
       </p:sp>
       <p:sp>
         <p:nvSpPr>
-          <p:cNvPr id="6" name="TextBox 5">
-            <a:extLst>
-              <a:ext uri="{FF2B5EF4-FFF2-40B4-BE49-F238E27FC236}">
-                <a16:creationId xmlns:a16="http://schemas.microsoft.com/office/drawing/2014/main" id="{4C0523B3-8558-6A4F-94D5-A3EFDC71744B}"/>
-              </a:ext>
-            </a:extLst>
-          </p:cNvPr>
-          <p:cNvSpPr txBox="1"/>
-          <p:nvPr/>
-        </p:nvSpPr>
-        <p:spPr>
-          <a:xfrm>
-            <a:off x="1678775" y="3031258"/>
-            <a:ext cx="1204176" cy="261610"/>
-          </a:xfrm>
-          <a:prstGeom prst="rect">
-            <a:avLst/>
-          </a:prstGeom>
-          <a:noFill/>
-        </p:spPr>
-        <p:txBody>
-          <a:bodyPr wrap="none" rtlCol="0">
-            <a:spAutoFit/>
-          </a:bodyPr>
-          <a:lstStyle/>
-          <a:p>
-            <a:r>
-              <a:rPr lang="en-US" sz="1100" b="1" dirty="0" err="1">
-                <a:latin typeface="Courier" pitchFamily="2" charset="0"/>
-              </a:rPr>
-              <a:t>MCSS_enzymeX</a:t>
-            </a:r>
-            <a:endParaRPr lang="en-US" sz="1100" b="1" dirty="0">
-              <a:latin typeface="Courier" pitchFamily="2" charset="0"/>
-            </a:endParaRPr>
-          </a:p>
-        </p:txBody>
-      </p:sp>
-      <p:sp>
-        <p:nvSpPr>
-          <p:cNvPr id="7" name="Rectangle 6">
-            <a:extLst>
-              <a:ext uri="{FF2B5EF4-FFF2-40B4-BE49-F238E27FC236}">
-                <a16:creationId xmlns:a16="http://schemas.microsoft.com/office/drawing/2014/main" id="{E66E1507-A50C-5340-92A1-85081A289E10}"/>
+          <p:cNvPr id="8" name="Rectangle 7">
+            <a:extLst>
+              <a:ext uri="{FF2B5EF4-FFF2-40B4-BE49-F238E27FC236}">
+                <a16:creationId xmlns:a16="http://schemas.microsoft.com/office/drawing/2014/main" id="{C31B76C1-976A-4D44-97EF-59C9A637659F}"/>
               </a:ext>
             </a:extLst>
           </p:cNvPr>
@@ -4673,7 +4438,7 @@
         </p:nvSpPr>
         <p:spPr>
           <a:xfrm>
-            <a:off x="1221420" y="1330492"/>
+            <a:off x="3516136" y="3184989"/>
             <a:ext cx="334960" cy="267128"/>
           </a:xfrm>
           <a:prstGeom prst="rect">
@@ -4716,10 +4481,10 @@
       </p:sp>
       <p:sp>
         <p:nvSpPr>
-          <p:cNvPr id="8" name="Rectangle 7">
-            <a:extLst>
-              <a:ext uri="{FF2B5EF4-FFF2-40B4-BE49-F238E27FC236}">
-                <a16:creationId xmlns:a16="http://schemas.microsoft.com/office/drawing/2014/main" id="{C31B76C1-976A-4D44-97EF-59C9A637659F}"/>
+          <p:cNvPr id="9" name="Rectangle 8">
+            <a:extLst>
+              <a:ext uri="{FF2B5EF4-FFF2-40B4-BE49-F238E27FC236}">
+                <a16:creationId xmlns:a16="http://schemas.microsoft.com/office/drawing/2014/main" id="{40984982-8FD2-0048-ADEE-952304E7BC35}"/>
               </a:ext>
             </a:extLst>
           </p:cNvPr>
@@ -4728,7 +4493,7 @@
         </p:nvSpPr>
         <p:spPr>
           <a:xfrm>
-            <a:off x="3516136" y="3184989"/>
+            <a:off x="1350897" y="4053537"/>
             <a:ext cx="334960" cy="267128"/>
           </a:xfrm>
           <a:prstGeom prst="rect">
@@ -4771,28 +4536,138 @@
       </p:sp>
       <p:sp>
         <p:nvSpPr>
-          <p:cNvPr id="9" name="Rectangle 8">
-            <a:extLst>
-              <a:ext uri="{FF2B5EF4-FFF2-40B4-BE49-F238E27FC236}">
-                <a16:creationId xmlns:a16="http://schemas.microsoft.com/office/drawing/2014/main" id="{40984982-8FD2-0048-ADEE-952304E7BC35}"/>
-              </a:ext>
-            </a:extLst>
-          </p:cNvPr>
-          <p:cNvSpPr/>
+          <p:cNvPr id="11" name="TextBox 10">
+            <a:extLst>
+              <a:ext uri="{FF2B5EF4-FFF2-40B4-BE49-F238E27FC236}">
+                <a16:creationId xmlns:a16="http://schemas.microsoft.com/office/drawing/2014/main" id="{4353F0BF-D30C-7F46-93A2-C64629DDB9FC}"/>
+              </a:ext>
+            </a:extLst>
+          </p:cNvPr>
+          <p:cNvSpPr txBox="1"/>
           <p:nvPr/>
         </p:nvSpPr>
         <p:spPr>
           <a:xfrm>
-            <a:off x="1350897" y="4053537"/>
-            <a:ext cx="334960" cy="267128"/>
+            <a:off x="747731" y="4320665"/>
+            <a:ext cx="1467068" cy="253916"/>
           </a:xfrm>
           <a:prstGeom prst="rect">
             <a:avLst/>
           </a:prstGeom>
+          <a:noFill/>
+        </p:spPr>
+        <p:txBody>
+          <a:bodyPr wrap="none" rtlCol="0">
+            <a:spAutoFit/>
+          </a:bodyPr>
+          <a:lstStyle/>
+          <a:p>
+            <a:r>
+              <a:rPr lang="en-US" sz="1050" dirty="0">
+                <a:latin typeface="Courier" pitchFamily="2" charset="0"/>
+              </a:rPr>
+              <a:t>product1_enzymeX</a:t>
+            </a:r>
+          </a:p>
+        </p:txBody>
+      </p:sp>
+      <p:sp>
+        <p:nvSpPr>
+          <p:cNvPr id="12" name="TextBox 11">
+            <a:extLst>
+              <a:ext uri="{FF2B5EF4-FFF2-40B4-BE49-F238E27FC236}">
+                <a16:creationId xmlns:a16="http://schemas.microsoft.com/office/drawing/2014/main" id="{F96D24ED-CBB0-FC42-AF78-D9E6EB177A53}"/>
+              </a:ext>
+            </a:extLst>
+          </p:cNvPr>
+          <p:cNvSpPr txBox="1"/>
+          <p:nvPr/>
+        </p:nvSpPr>
+        <p:spPr>
+          <a:xfrm>
+            <a:off x="2950082" y="3452117"/>
+            <a:ext cx="1467068" cy="253916"/>
+          </a:xfrm>
+          <a:prstGeom prst="rect">
+            <a:avLst/>
+          </a:prstGeom>
+          <a:noFill/>
+        </p:spPr>
+        <p:txBody>
+          <a:bodyPr wrap="none" rtlCol="0">
+            <a:spAutoFit/>
+          </a:bodyPr>
+          <a:lstStyle/>
+          <a:p>
+            <a:r>
+              <a:rPr lang="en-US" sz="1050" dirty="0">
+                <a:latin typeface="Courier" pitchFamily="2" charset="0"/>
+              </a:rPr>
+              <a:t>product2_enzymeX</a:t>
+            </a:r>
+          </a:p>
+        </p:txBody>
+      </p:sp>
+      <p:sp>
+        <p:nvSpPr>
+          <p:cNvPr id="13" name="TextBox 12">
+            <a:extLst>
+              <a:ext uri="{FF2B5EF4-FFF2-40B4-BE49-F238E27FC236}">
+                <a16:creationId xmlns:a16="http://schemas.microsoft.com/office/drawing/2014/main" id="{81D0A61F-41B8-054E-BA4C-9CC8B959C604}"/>
+              </a:ext>
+            </a:extLst>
+          </p:cNvPr>
+          <p:cNvSpPr txBox="1"/>
+          <p:nvPr/>
+        </p:nvSpPr>
+        <p:spPr>
+          <a:xfrm>
+            <a:off x="655366" y="1568076"/>
+            <a:ext cx="1467068" cy="253916"/>
+          </a:xfrm>
+          <a:prstGeom prst="rect">
+            <a:avLst/>
+          </a:prstGeom>
+          <a:noFill/>
+        </p:spPr>
+        <p:txBody>
+          <a:bodyPr wrap="none" rtlCol="0">
+            <a:spAutoFit/>
+          </a:bodyPr>
+          <a:lstStyle/>
+          <a:p>
+            <a:r>
+              <a:rPr lang="en-US" sz="1050" dirty="0">
+                <a:latin typeface="Courier" pitchFamily="2" charset="0"/>
+              </a:rPr>
+              <a:t>product3_enzymeX</a:t>
+            </a:r>
+          </a:p>
+        </p:txBody>
+      </p:sp>
+      <p:sp>
+        <p:nvSpPr>
+          <p:cNvPr id="15" name="Oval 14">
+            <a:extLst>
+              <a:ext uri="{FF2B5EF4-FFF2-40B4-BE49-F238E27FC236}">
+                <a16:creationId xmlns:a16="http://schemas.microsoft.com/office/drawing/2014/main" id="{C3BA8622-61AE-2B42-AB12-A77F6E752125}"/>
+              </a:ext>
+            </a:extLst>
+          </p:cNvPr>
+          <p:cNvSpPr/>
+          <p:nvPr/>
+        </p:nvSpPr>
+        <p:spPr>
+          <a:xfrm>
+            <a:off x="5534060" y="1086215"/>
+            <a:ext cx="1783260" cy="1640734"/>
+          </a:xfrm>
+          <a:prstGeom prst="ellipse">
+            <a:avLst/>
+          </a:prstGeom>
           <a:solidFill>
-            <a:schemeClr val="accent6">
-              <a:lumMod val="40000"/>
-              <a:lumOff val="60000"/>
+            <a:schemeClr val="accent4">
+              <a:alpha val="40000"/>
             </a:schemeClr>
           </a:solidFill>
           <a:ln>
@@ -4820,16 +4695,16 @@
           <a:lstStyle/>
           <a:p>
             <a:pPr algn="ctr"/>
-            <a:endParaRPr lang="en-US"/>
-          </a:p>
-        </p:txBody>
-      </p:sp>
-      <p:sp>
-        <p:nvSpPr>
-          <p:cNvPr id="11" name="TextBox 10">
-            <a:extLst>
-              <a:ext uri="{FF2B5EF4-FFF2-40B4-BE49-F238E27FC236}">
-                <a16:creationId xmlns:a16="http://schemas.microsoft.com/office/drawing/2014/main" id="{4353F0BF-D30C-7F46-93A2-C64629DDB9FC}"/>
+            <a:endParaRPr lang="en-US" dirty="0"/>
+          </a:p>
+        </p:txBody>
+      </p:sp>
+      <p:sp>
+        <p:nvSpPr>
+          <p:cNvPr id="17" name="TextBox 16">
+            <a:extLst>
+              <a:ext uri="{FF2B5EF4-FFF2-40B4-BE49-F238E27FC236}">
+                <a16:creationId xmlns:a16="http://schemas.microsoft.com/office/drawing/2014/main" id="{AAE2F65A-5D1C-6440-84C8-C7723B93B368}"/>
               </a:ext>
             </a:extLst>
           </p:cNvPr>
@@ -4838,8 +4713,8 @@
         </p:nvSpPr>
         <p:spPr>
           <a:xfrm>
-            <a:off x="747731" y="4320665"/>
-            <a:ext cx="1467068" cy="253916"/>
+            <a:off x="1781149" y="2940524"/>
+            <a:ext cx="949299" cy="261610"/>
           </a:xfrm>
           <a:prstGeom prst="rect">
             <a:avLst/>
@@ -4853,111 +4728,44 @@
           <a:lstStyle/>
           <a:p>
             <a:r>
-              <a:rPr lang="en-US" sz="1050" dirty="0">
+              <a:rPr lang="en-US" sz="1100" b="1" dirty="0" err="1">
                 <a:latin typeface="Courier" pitchFamily="2" charset="0"/>
               </a:rPr>
-              <a:t>product1_enzymeX</a:t>
-            </a:r>
-          </a:p>
-        </p:txBody>
-      </p:sp>
-      <p:sp>
-        <p:nvSpPr>
-          <p:cNvPr id="12" name="TextBox 11">
-            <a:extLst>
-              <a:ext uri="{FF2B5EF4-FFF2-40B4-BE49-F238E27FC236}">
-                <a16:creationId xmlns:a16="http://schemas.microsoft.com/office/drawing/2014/main" id="{F96D24ED-CBB0-FC42-AF78-D9E6EB177A53}"/>
-              </a:ext>
-            </a:extLst>
-          </p:cNvPr>
-          <p:cNvSpPr txBox="1"/>
+              <a:t>Enzyme_X</a:t>
+            </a:r>
+            <a:r>
+              <a:rPr lang="en-US" sz="1100" b="1" dirty="0">
+                <a:latin typeface="Courier" pitchFamily="2" charset="0"/>
+              </a:rPr>
+              <a:t> </a:t>
+            </a:r>
+          </a:p>
+        </p:txBody>
+      </p:sp>
+      <p:sp>
+        <p:nvSpPr>
+          <p:cNvPr id="19" name="Rectangle 18">
+            <a:extLst>
+              <a:ext uri="{FF2B5EF4-FFF2-40B4-BE49-F238E27FC236}">
+                <a16:creationId xmlns:a16="http://schemas.microsoft.com/office/drawing/2014/main" id="{2C3A3717-E3A5-DE47-B9F1-E7079C308606}"/>
+              </a:ext>
+            </a:extLst>
+          </p:cNvPr>
+          <p:cNvSpPr/>
           <p:nvPr/>
         </p:nvSpPr>
         <p:spPr>
           <a:xfrm>
-            <a:off x="2950082" y="3452117"/>
-            <a:ext cx="1467068" cy="253916"/>
+            <a:off x="7159557" y="1906035"/>
+            <a:ext cx="334960" cy="267128"/>
           </a:xfrm>
           <a:prstGeom prst="rect">
             <a:avLst/>
           </a:prstGeom>
-          <a:noFill/>
-        </p:spPr>
-        <p:txBody>
-          <a:bodyPr wrap="none" rtlCol="0">
-            <a:spAutoFit/>
-          </a:bodyPr>
-          <a:lstStyle/>
-          <a:p>
-            <a:r>
-              <a:rPr lang="en-US" sz="1050" dirty="0">
-                <a:latin typeface="Courier" pitchFamily="2" charset="0"/>
-              </a:rPr>
-              <a:t>product2_enzymeX</a:t>
-            </a:r>
-          </a:p>
-        </p:txBody>
-      </p:sp>
-      <p:sp>
-        <p:nvSpPr>
-          <p:cNvPr id="13" name="TextBox 12">
-            <a:extLst>
-              <a:ext uri="{FF2B5EF4-FFF2-40B4-BE49-F238E27FC236}">
-                <a16:creationId xmlns:a16="http://schemas.microsoft.com/office/drawing/2014/main" id="{81D0A61F-41B8-054E-BA4C-9CC8B959C604}"/>
-              </a:ext>
-            </a:extLst>
-          </p:cNvPr>
-          <p:cNvSpPr txBox="1"/>
-          <p:nvPr/>
-        </p:nvSpPr>
-        <p:spPr>
-          <a:xfrm>
-            <a:off x="655366" y="1568076"/>
-            <a:ext cx="1467068" cy="253916"/>
-          </a:xfrm>
-          <a:prstGeom prst="rect">
-            <a:avLst/>
-          </a:prstGeom>
-          <a:noFill/>
-        </p:spPr>
-        <p:txBody>
-          <a:bodyPr wrap="none" rtlCol="0">
-            <a:spAutoFit/>
-          </a:bodyPr>
-          <a:lstStyle/>
-          <a:p>
-            <a:r>
-              <a:rPr lang="en-US" sz="1050" dirty="0">
-                <a:latin typeface="Courier" pitchFamily="2" charset="0"/>
-              </a:rPr>
-              <a:t>product3_enzymeX</a:t>
-            </a:r>
-          </a:p>
-        </p:txBody>
-      </p:sp>
-      <p:sp>
-        <p:nvSpPr>
-          <p:cNvPr id="15" name="Oval 14">
-            <a:extLst>
-              <a:ext uri="{FF2B5EF4-FFF2-40B4-BE49-F238E27FC236}">
-                <a16:creationId xmlns:a16="http://schemas.microsoft.com/office/drawing/2014/main" id="{C3BA8622-61AE-2B42-AB12-A77F6E752125}"/>
-              </a:ext>
-            </a:extLst>
-          </p:cNvPr>
-          <p:cNvSpPr/>
-          <p:nvPr/>
-        </p:nvSpPr>
-        <p:spPr>
-          <a:xfrm>
-            <a:off x="5534060" y="1086215"/>
-            <a:ext cx="1783260" cy="1640734"/>
-          </a:xfrm>
-          <a:prstGeom prst="ellipse">
-            <a:avLst/>
-          </a:prstGeom>
           <a:solidFill>
-            <a:schemeClr val="accent4">
-              <a:alpha val="40000"/>
+            <a:schemeClr val="accent2">
+              <a:lumMod val="60000"/>
+              <a:lumOff val="40000"/>
             </a:schemeClr>
           </a:solidFill>
           <a:ln>
@@ -4985,16 +4793,16 @@
           <a:lstStyle/>
           <a:p>
             <a:pPr algn="ctr"/>
-            <a:endParaRPr lang="en-US" dirty="0"/>
-          </a:p>
-        </p:txBody>
-      </p:sp>
-      <p:sp>
-        <p:nvSpPr>
-          <p:cNvPr id="16" name="Rectangle 15">
-            <a:extLst>
-              <a:ext uri="{FF2B5EF4-FFF2-40B4-BE49-F238E27FC236}">
-                <a16:creationId xmlns:a16="http://schemas.microsoft.com/office/drawing/2014/main" id="{F5950089-B29C-F948-BE72-47749A6B93A6}"/>
+            <a:endParaRPr lang="en-US"/>
+          </a:p>
+        </p:txBody>
+      </p:sp>
+      <p:sp>
+        <p:nvSpPr>
+          <p:cNvPr id="20" name="Rectangle 19">
+            <a:extLst>
+              <a:ext uri="{FF2B5EF4-FFF2-40B4-BE49-F238E27FC236}">
+                <a16:creationId xmlns:a16="http://schemas.microsoft.com/office/drawing/2014/main" id="{BCDB6808-1E1B-8848-AA6F-1827D788E6B5}"/>
               </a:ext>
             </a:extLst>
           </p:cNvPr>
@@ -5003,14 +4811,17 @@
         </p:nvSpPr>
         <p:spPr>
           <a:xfrm>
-            <a:off x="6167946" y="1702929"/>
-            <a:ext cx="534256" cy="359596"/>
+            <a:off x="5538075" y="1338388"/>
+            <a:ext cx="334960" cy="267128"/>
           </a:xfrm>
           <a:prstGeom prst="rect">
             <a:avLst/>
           </a:prstGeom>
           <a:solidFill>
-            <a:srgbClr val="FFC000"/>
+            <a:schemeClr val="accent2">
+              <a:lumMod val="60000"/>
+              <a:lumOff val="40000"/>
+            </a:schemeClr>
           </a:solidFill>
           <a:ln>
             <a:noFill/>
@@ -5043,10 +4854,10 @@
       </p:sp>
       <p:sp>
         <p:nvSpPr>
-          <p:cNvPr id="17" name="TextBox 16">
-            <a:extLst>
-              <a:ext uri="{FF2B5EF4-FFF2-40B4-BE49-F238E27FC236}">
-                <a16:creationId xmlns:a16="http://schemas.microsoft.com/office/drawing/2014/main" id="{AAE2F65A-5D1C-6440-84C8-C7723B93B368}"/>
+          <p:cNvPr id="21" name="TextBox 20">
+            <a:extLst>
+              <a:ext uri="{FF2B5EF4-FFF2-40B4-BE49-F238E27FC236}">
+                <a16:creationId xmlns:a16="http://schemas.microsoft.com/office/drawing/2014/main" id="{69CBE67B-48D4-EC4A-9CC5-FF110D35766A}"/>
               </a:ext>
             </a:extLst>
           </p:cNvPr>
@@ -5055,8 +4866,8 @@
         </p:nvSpPr>
         <p:spPr>
           <a:xfrm>
-            <a:off x="5832986" y="1775230"/>
-            <a:ext cx="1204176" cy="261610"/>
+            <a:off x="4968006" y="1086215"/>
+            <a:ext cx="1467068" cy="253916"/>
           </a:xfrm>
           <a:prstGeom prst="rect">
             <a:avLst/>
@@ -5070,41 +4881,76 @@
           <a:lstStyle/>
           <a:p>
             <a:r>
-              <a:rPr lang="en-US" sz="1100" b="1" dirty="0" err="1">
+              <a:rPr lang="en-US" sz="1050" dirty="0">
                 <a:latin typeface="Courier" pitchFamily="2" charset="0"/>
               </a:rPr>
-              <a:t>MCSS_enzymeY</a:t>
-            </a:r>
-            <a:endParaRPr lang="en-US" sz="1100" b="1" dirty="0">
-              <a:latin typeface="Courier" pitchFamily="2" charset="0"/>
-            </a:endParaRPr>
-          </a:p>
-        </p:txBody>
-      </p:sp>
-      <p:sp>
-        <p:nvSpPr>
-          <p:cNvPr id="19" name="Rectangle 18">
-            <a:extLst>
-              <a:ext uri="{FF2B5EF4-FFF2-40B4-BE49-F238E27FC236}">
-                <a16:creationId xmlns:a16="http://schemas.microsoft.com/office/drawing/2014/main" id="{2C3A3717-E3A5-DE47-B9F1-E7079C308606}"/>
-              </a:ext>
-            </a:extLst>
-          </p:cNvPr>
-          <p:cNvSpPr/>
+              <a:t>product1_enzymeY</a:t>
+            </a:r>
+          </a:p>
+        </p:txBody>
+      </p:sp>
+      <p:sp>
+        <p:nvSpPr>
+          <p:cNvPr id="22" name="TextBox 21">
+            <a:extLst>
+              <a:ext uri="{FF2B5EF4-FFF2-40B4-BE49-F238E27FC236}">
+                <a16:creationId xmlns:a16="http://schemas.microsoft.com/office/drawing/2014/main" id="{D4D2352A-E968-534F-A1CC-EA20090B77D6}"/>
+              </a:ext>
+            </a:extLst>
+          </p:cNvPr>
+          <p:cNvSpPr txBox="1"/>
           <p:nvPr/>
         </p:nvSpPr>
         <p:spPr>
           <a:xfrm>
-            <a:off x="7159557" y="1906035"/>
-            <a:ext cx="334960" cy="267128"/>
+            <a:off x="6702202" y="2167187"/>
+            <a:ext cx="1467068" cy="253916"/>
           </a:xfrm>
           <a:prstGeom prst="rect">
             <a:avLst/>
           </a:prstGeom>
+          <a:noFill/>
+        </p:spPr>
+        <p:txBody>
+          <a:bodyPr wrap="none" rtlCol="0">
+            <a:spAutoFit/>
+          </a:bodyPr>
+          <a:lstStyle/>
+          <a:p>
+            <a:r>
+              <a:rPr lang="en-US" sz="1050" dirty="0">
+                <a:latin typeface="Courier" pitchFamily="2" charset="0"/>
+              </a:rPr>
+              <a:t>product2_enzymeY</a:t>
+            </a:r>
+          </a:p>
+        </p:txBody>
+      </p:sp>
+      <p:sp>
+        <p:nvSpPr>
+          <p:cNvPr id="24" name="Oval 23">
+            <a:extLst>
+              <a:ext uri="{FF2B5EF4-FFF2-40B4-BE49-F238E27FC236}">
+                <a16:creationId xmlns:a16="http://schemas.microsoft.com/office/drawing/2014/main" id="{57DE5A6D-23AD-BD42-947A-14053C90DCE1}"/>
+              </a:ext>
+            </a:extLst>
+          </p:cNvPr>
+          <p:cNvSpPr/>
+          <p:nvPr/>
+        </p:nvSpPr>
+        <p:spPr>
+          <a:xfrm>
+            <a:off x="5464773" y="2682255"/>
+            <a:ext cx="4928383" cy="4385857"/>
+          </a:xfrm>
+          <a:prstGeom prst="ellipse">
+            <a:avLst/>
+          </a:prstGeom>
           <a:solidFill>
-            <a:schemeClr val="accent2">
-              <a:lumMod val="60000"/>
-              <a:lumOff val="40000"/>
+            <a:schemeClr val="accent1">
+              <a:lumMod val="20000"/>
+              <a:lumOff val="80000"/>
+              <a:alpha val="40000"/>
             </a:schemeClr>
           </a:solidFill>
           <a:ln>
@@ -5132,286 +4978,7 @@
           <a:lstStyle/>
           <a:p>
             <a:pPr algn="ctr"/>
-            <a:endParaRPr lang="en-US"/>
-          </a:p>
-        </p:txBody>
-      </p:sp>
-      <p:sp>
-        <p:nvSpPr>
-          <p:cNvPr id="20" name="Rectangle 19">
-            <a:extLst>
-              <a:ext uri="{FF2B5EF4-FFF2-40B4-BE49-F238E27FC236}">
-                <a16:creationId xmlns:a16="http://schemas.microsoft.com/office/drawing/2014/main" id="{BCDB6808-1E1B-8848-AA6F-1827D788E6B5}"/>
-              </a:ext>
-            </a:extLst>
-          </p:cNvPr>
-          <p:cNvSpPr/>
-          <p:nvPr/>
-        </p:nvSpPr>
-        <p:spPr>
-          <a:xfrm>
-            <a:off x="5538075" y="1338388"/>
-            <a:ext cx="334960" cy="267128"/>
-          </a:xfrm>
-          <a:prstGeom prst="rect">
-            <a:avLst/>
-          </a:prstGeom>
-          <a:solidFill>
-            <a:schemeClr val="accent2">
-              <a:lumMod val="60000"/>
-              <a:lumOff val="40000"/>
-            </a:schemeClr>
-          </a:solidFill>
-          <a:ln>
-            <a:noFill/>
-          </a:ln>
-        </p:spPr>
-        <p:style>
-          <a:lnRef idx="2">
-            <a:schemeClr val="accent1">
-              <a:shade val="50000"/>
-            </a:schemeClr>
-          </a:lnRef>
-          <a:fillRef idx="1">
-            <a:schemeClr val="accent1"/>
-          </a:fillRef>
-          <a:effectRef idx="0">
-            <a:schemeClr val="accent1"/>
-          </a:effectRef>
-          <a:fontRef idx="minor">
-            <a:schemeClr val="lt1"/>
-          </a:fontRef>
-        </p:style>
-        <p:txBody>
-          <a:bodyPr rtlCol="0" anchor="ctr"/>
-          <a:lstStyle/>
-          <a:p>
-            <a:pPr algn="ctr"/>
-            <a:endParaRPr lang="en-US"/>
-          </a:p>
-        </p:txBody>
-      </p:sp>
-      <p:sp>
-        <p:nvSpPr>
-          <p:cNvPr id="21" name="TextBox 20">
-            <a:extLst>
-              <a:ext uri="{FF2B5EF4-FFF2-40B4-BE49-F238E27FC236}">
-                <a16:creationId xmlns:a16="http://schemas.microsoft.com/office/drawing/2014/main" id="{69CBE67B-48D4-EC4A-9CC5-FF110D35766A}"/>
-              </a:ext>
-            </a:extLst>
-          </p:cNvPr>
-          <p:cNvSpPr txBox="1"/>
-          <p:nvPr/>
-        </p:nvSpPr>
-        <p:spPr>
-          <a:xfrm>
-            <a:off x="4968006" y="1086215"/>
-            <a:ext cx="1467068" cy="253916"/>
-          </a:xfrm>
-          <a:prstGeom prst="rect">
-            <a:avLst/>
-          </a:prstGeom>
-          <a:noFill/>
-        </p:spPr>
-        <p:txBody>
-          <a:bodyPr wrap="none" rtlCol="0">
-            <a:spAutoFit/>
-          </a:bodyPr>
-          <a:lstStyle/>
-          <a:p>
-            <a:r>
-              <a:rPr lang="en-US" sz="1050" dirty="0">
-                <a:latin typeface="Courier" pitchFamily="2" charset="0"/>
-              </a:rPr>
-              <a:t>product1_enzymeY</a:t>
-            </a:r>
-          </a:p>
-        </p:txBody>
-      </p:sp>
-      <p:sp>
-        <p:nvSpPr>
-          <p:cNvPr id="22" name="TextBox 21">
-            <a:extLst>
-              <a:ext uri="{FF2B5EF4-FFF2-40B4-BE49-F238E27FC236}">
-                <a16:creationId xmlns:a16="http://schemas.microsoft.com/office/drawing/2014/main" id="{D4D2352A-E968-534F-A1CC-EA20090B77D6}"/>
-              </a:ext>
-            </a:extLst>
-          </p:cNvPr>
-          <p:cNvSpPr txBox="1"/>
-          <p:nvPr/>
-        </p:nvSpPr>
-        <p:spPr>
-          <a:xfrm>
-            <a:off x="6702202" y="2167187"/>
-            <a:ext cx="1467068" cy="253916"/>
-          </a:xfrm>
-          <a:prstGeom prst="rect">
-            <a:avLst/>
-          </a:prstGeom>
-          <a:noFill/>
-        </p:spPr>
-        <p:txBody>
-          <a:bodyPr wrap="none" rtlCol="0">
-            <a:spAutoFit/>
-          </a:bodyPr>
-          <a:lstStyle/>
-          <a:p>
-            <a:r>
-              <a:rPr lang="en-US" sz="1050" dirty="0">
-                <a:latin typeface="Courier" pitchFamily="2" charset="0"/>
-              </a:rPr>
-              <a:t>product2_enzymeY</a:t>
-            </a:r>
-          </a:p>
-        </p:txBody>
-      </p:sp>
-      <p:sp>
-        <p:nvSpPr>
-          <p:cNvPr id="24" name="Oval 23">
-            <a:extLst>
-              <a:ext uri="{FF2B5EF4-FFF2-40B4-BE49-F238E27FC236}">
-                <a16:creationId xmlns:a16="http://schemas.microsoft.com/office/drawing/2014/main" id="{57DE5A6D-23AD-BD42-947A-14053C90DCE1}"/>
-              </a:ext>
-            </a:extLst>
-          </p:cNvPr>
-          <p:cNvSpPr/>
-          <p:nvPr/>
-        </p:nvSpPr>
-        <p:spPr>
-          <a:xfrm>
-            <a:off x="5489409" y="2718232"/>
-            <a:ext cx="4928383" cy="4385857"/>
-          </a:xfrm>
-          <a:prstGeom prst="ellipse">
-            <a:avLst/>
-          </a:prstGeom>
-          <a:solidFill>
-            <a:schemeClr val="accent1">
-              <a:lumMod val="20000"/>
-              <a:lumOff val="80000"/>
-              <a:alpha val="40000"/>
-            </a:schemeClr>
-          </a:solidFill>
-          <a:ln>
-            <a:noFill/>
-          </a:ln>
-        </p:spPr>
-        <p:style>
-          <a:lnRef idx="2">
-            <a:schemeClr val="accent1">
-              <a:shade val="50000"/>
-            </a:schemeClr>
-          </a:lnRef>
-          <a:fillRef idx="1">
-            <a:schemeClr val="accent1"/>
-          </a:fillRef>
-          <a:effectRef idx="0">
-            <a:schemeClr val="accent1"/>
-          </a:effectRef>
-          <a:fontRef idx="minor">
-            <a:schemeClr val="lt1"/>
-          </a:fontRef>
-        </p:style>
-        <p:txBody>
-          <a:bodyPr rtlCol="0" anchor="ctr"/>
-          <a:lstStyle/>
-          <a:p>
-            <a:pPr algn="ctr"/>
             <a:endParaRPr lang="en-US" dirty="0"/>
-          </a:p>
-        </p:txBody>
-      </p:sp>
-      <p:sp>
-        <p:nvSpPr>
-          <p:cNvPr id="25" name="Rectangle 24">
-            <a:extLst>
-              <a:ext uri="{FF2B5EF4-FFF2-40B4-BE49-F238E27FC236}">
-                <a16:creationId xmlns:a16="http://schemas.microsoft.com/office/drawing/2014/main" id="{93D677E2-6483-204C-9B21-37CFDE683081}"/>
-              </a:ext>
-            </a:extLst>
-          </p:cNvPr>
-          <p:cNvSpPr/>
-          <p:nvPr/>
-        </p:nvSpPr>
-        <p:spPr>
-          <a:xfrm>
-            <a:off x="7674773" y="4830548"/>
-            <a:ext cx="534256" cy="359596"/>
-          </a:xfrm>
-          <a:prstGeom prst="rect">
-            <a:avLst/>
-          </a:prstGeom>
-          <a:solidFill>
-            <a:schemeClr val="accent1">
-              <a:lumMod val="75000"/>
-            </a:schemeClr>
-          </a:solidFill>
-          <a:ln>
-            <a:noFill/>
-          </a:ln>
-        </p:spPr>
-        <p:style>
-          <a:lnRef idx="2">
-            <a:schemeClr val="accent1">
-              <a:shade val="50000"/>
-            </a:schemeClr>
-          </a:lnRef>
-          <a:fillRef idx="1">
-            <a:schemeClr val="accent1"/>
-          </a:fillRef>
-          <a:effectRef idx="0">
-            <a:schemeClr val="accent1"/>
-          </a:effectRef>
-          <a:fontRef idx="minor">
-            <a:schemeClr val="lt1"/>
-          </a:fontRef>
-        </p:style>
-        <p:txBody>
-          <a:bodyPr rtlCol="0" anchor="ctr"/>
-          <a:lstStyle/>
-          <a:p>
-            <a:pPr algn="ctr"/>
-            <a:endParaRPr lang="en-US"/>
-          </a:p>
-        </p:txBody>
-      </p:sp>
-      <p:sp>
-        <p:nvSpPr>
-          <p:cNvPr id="26" name="TextBox 25">
-            <a:extLst>
-              <a:ext uri="{FF2B5EF4-FFF2-40B4-BE49-F238E27FC236}">
-                <a16:creationId xmlns:a16="http://schemas.microsoft.com/office/drawing/2014/main" id="{33B2DF3C-84EA-6B40-9C71-B19D092EACB9}"/>
-              </a:ext>
-            </a:extLst>
-          </p:cNvPr>
-          <p:cNvSpPr txBox="1"/>
-          <p:nvPr/>
-        </p:nvSpPr>
-        <p:spPr>
-          <a:xfrm>
-            <a:off x="7339813" y="4902849"/>
-            <a:ext cx="1204176" cy="261610"/>
-          </a:xfrm>
-          <a:prstGeom prst="rect">
-            <a:avLst/>
-          </a:prstGeom>
-          <a:noFill/>
-        </p:spPr>
-        <p:txBody>
-          <a:bodyPr wrap="none" rtlCol="0">
-            <a:spAutoFit/>
-          </a:bodyPr>
-          <a:lstStyle/>
-          <a:p>
-            <a:r>
-              <a:rPr lang="en-US" sz="1100" b="1" dirty="0" err="1">
-                <a:latin typeface="Courier" pitchFamily="2" charset="0"/>
-              </a:rPr>
-              <a:t>MCSS_enzymeZ</a:t>
-            </a:r>
-            <a:endParaRPr lang="en-US" sz="1100" b="1" dirty="0">
-              <a:latin typeface="Courier" pitchFamily="2" charset="0"/>
-            </a:endParaRPr>
           </a:p>
         </p:txBody>
       </p:sp>
@@ -6112,6 +5679,92 @@
                 <a:latin typeface="Courier" pitchFamily="2" charset="0"/>
               </a:rPr>
               <a:t>3</a:t>
+            </a:r>
+          </a:p>
+        </p:txBody>
+      </p:sp>
+      <p:sp>
+        <p:nvSpPr>
+          <p:cNvPr id="39" name="TextBox 38">
+            <a:extLst>
+              <a:ext uri="{FF2B5EF4-FFF2-40B4-BE49-F238E27FC236}">
+                <a16:creationId xmlns:a16="http://schemas.microsoft.com/office/drawing/2014/main" id="{6B7659EE-9C17-934C-9A78-C9AE6D0D2440}"/>
+              </a:ext>
+            </a:extLst>
+          </p:cNvPr>
+          <p:cNvSpPr txBox="1"/>
+          <p:nvPr/>
+        </p:nvSpPr>
+        <p:spPr>
+          <a:xfrm>
+            <a:off x="5991848" y="1739148"/>
+            <a:ext cx="949299" cy="261610"/>
+          </a:xfrm>
+          <a:prstGeom prst="rect">
+            <a:avLst/>
+          </a:prstGeom>
+          <a:noFill/>
+        </p:spPr>
+        <p:txBody>
+          <a:bodyPr wrap="none" rtlCol="0">
+            <a:spAutoFit/>
+          </a:bodyPr>
+          <a:lstStyle/>
+          <a:p>
+            <a:r>
+              <a:rPr lang="en-US" sz="1100" b="1" dirty="0" err="1">
+                <a:latin typeface="Courier" pitchFamily="2" charset="0"/>
+              </a:rPr>
+              <a:t>Enzyme_Y</a:t>
+            </a:r>
+            <a:r>
+              <a:rPr lang="en-US" sz="1100" b="1" dirty="0">
+                <a:latin typeface="Courier" pitchFamily="2" charset="0"/>
+              </a:rPr>
+              <a:t> </a:t>
+            </a:r>
+          </a:p>
+        </p:txBody>
+      </p:sp>
+      <p:sp>
+        <p:nvSpPr>
+          <p:cNvPr id="42" name="TextBox 41">
+            <a:extLst>
+              <a:ext uri="{FF2B5EF4-FFF2-40B4-BE49-F238E27FC236}">
+                <a16:creationId xmlns:a16="http://schemas.microsoft.com/office/drawing/2014/main" id="{AFE61367-74BF-204A-B6D5-EE30A3383DB4}"/>
+              </a:ext>
+            </a:extLst>
+          </p:cNvPr>
+          <p:cNvSpPr txBox="1"/>
+          <p:nvPr/>
+        </p:nvSpPr>
+        <p:spPr>
+          <a:xfrm>
+            <a:off x="7494517" y="4744378"/>
+            <a:ext cx="1034257" cy="261610"/>
+          </a:xfrm>
+          <a:prstGeom prst="rect">
+            <a:avLst/>
+          </a:prstGeom>
+          <a:noFill/>
+        </p:spPr>
+        <p:txBody>
+          <a:bodyPr wrap="none" rtlCol="0">
+            <a:spAutoFit/>
+          </a:bodyPr>
+          <a:lstStyle/>
+          <a:p>
+            <a:r>
+              <a:rPr lang="en-US" sz="1100" b="1" dirty="0" err="1">
+                <a:latin typeface="Courier" pitchFamily="2" charset="0"/>
+              </a:rPr>
+              <a:t>Enzyme_Z</a:t>
+            </a:r>
+            <a:r>
+              <a:rPr lang="en-US" sz="1100" b="1" dirty="0">
+                <a:latin typeface="Courier" pitchFamily="2" charset="0"/>
+              </a:rPr>
+              <a:t>  </a:t>
             </a:r>
           </a:p>
         </p:txBody>
